--- a/Doc/PPT/2021_Anthony.pptx
+++ b/Doc/PPT/2021_Anthony.pptx
@@ -13,7 +13,7 @@
     <p:sldId id="5400" r:id="rId7"/>
     <p:sldId id="5413" r:id="rId8"/>
     <p:sldId id="5414" r:id="rId9"/>
-    <p:sldId id="5416" r:id="rId10"/>
+    <p:sldId id="5420" r:id="rId10"/>
     <p:sldId id="5411" r:id="rId11"/>
     <p:sldId id="258" r:id="rId12"/>
   </p:sldIdLst>
@@ -151,7 +151,7 @@
   </p:defaultTextStyle>
   <p:extLst>
     <p:ext uri="{EFAFB233-063F-42B5-8137-9DF3F51BA10A}">
-      <p15:sldGuideLst xmlns:p15="http://schemas.microsoft.com/office/powerpoint/2012/main">
+      <p15:sldGuideLst xmlns:p15="http://schemas.microsoft.com/office/powerpoint/2012/main" xmlns="">
         <p15:guide id="1" orient="horz" pos="1606">
           <p15:clr>
             <a:srgbClr val="A4A3A4"/>
@@ -256,7 +256,7 @@
           <a:p>
             <a:fld id="{696FD052-9285-4874-B8F4-21154ABA0301}" type="datetimeFigureOut">
               <a:rPr lang="zh-HK" altLang="en-US" smtClean="0"/>
-              <a:t>31/1/2021</a:t>
+              <a:t>2/2/2021</a:t>
             </a:fld>
             <a:endParaRPr lang="zh-HK" altLang="en-US"/>
           </a:p>
@@ -827,7 +827,7 @@
           <p:cNvPr id="7" name="Picture 2" descr="C:\Users\435\Desktop\backup131031\c_晉泰\150423_ptt版型\ppt_temp1-2_16x9-01.jpgppt_temp1-2_16x9-01">
             <a:extLst>
               <a:ext uri="{FF2B5EF4-FFF2-40B4-BE49-F238E27FC236}">
-                <a16:creationId xmlns:a16="http://schemas.microsoft.com/office/drawing/2014/main" id="{CA9CF61F-ABF3-4FBC-ABD3-394535D08F6D}"/>
+                <a16:creationId xmlns:a16="http://schemas.microsoft.com/office/drawing/2014/main" xmlns="" id="{CA9CF61F-ABF3-4FBC-ABD3-394535D08F6D}"/>
               </a:ext>
             </a:extLst>
           </p:cNvPr>
@@ -872,7 +872,7 @@
           <p:cNvPr id="8" name="Title 1">
             <a:extLst>
               <a:ext uri="{FF2B5EF4-FFF2-40B4-BE49-F238E27FC236}">
-                <a16:creationId xmlns:a16="http://schemas.microsoft.com/office/drawing/2014/main" id="{1C31E9EB-D0E0-41B8-A3DC-ACF64B052100}"/>
+                <a16:creationId xmlns:a16="http://schemas.microsoft.com/office/drawing/2014/main" xmlns="" id="{1C31E9EB-D0E0-41B8-A3DC-ACF64B052100}"/>
               </a:ext>
             </a:extLst>
           </p:cNvPr>
@@ -939,7 +939,7 @@
           <p:cNvPr id="9" name="Subtitle 2">
             <a:extLst>
               <a:ext uri="{FF2B5EF4-FFF2-40B4-BE49-F238E27FC236}">
-                <a16:creationId xmlns:a16="http://schemas.microsoft.com/office/drawing/2014/main" id="{A42ECBB3-B24A-4AB5-8523-6AEAACDAC1D2}"/>
+                <a16:creationId xmlns:a16="http://schemas.microsoft.com/office/drawing/2014/main" xmlns="" id="{A42ECBB3-B24A-4AB5-8523-6AEAACDAC1D2}"/>
               </a:ext>
             </a:extLst>
           </p:cNvPr>
@@ -1091,7 +1091,7 @@
           <p:cNvPr id="7" name="Picture 2" descr="C:\Users\435\Desktop\backup131031\c_晉泰\150423_ptt版型\ppt_temp1-2_16x9-01.jpgppt_temp1-2_16x9-01">
             <a:extLst>
               <a:ext uri="{FF2B5EF4-FFF2-40B4-BE49-F238E27FC236}">
-                <a16:creationId xmlns:a16="http://schemas.microsoft.com/office/drawing/2014/main" id="{CA9CF61F-ABF3-4FBC-ABD3-394535D08F6D}"/>
+                <a16:creationId xmlns:a16="http://schemas.microsoft.com/office/drawing/2014/main" xmlns="" id="{CA9CF61F-ABF3-4FBC-ABD3-394535D08F6D}"/>
               </a:ext>
             </a:extLst>
           </p:cNvPr>
@@ -1136,7 +1136,7 @@
           <p:cNvPr id="8" name="Title 1">
             <a:extLst>
               <a:ext uri="{FF2B5EF4-FFF2-40B4-BE49-F238E27FC236}">
-                <a16:creationId xmlns:a16="http://schemas.microsoft.com/office/drawing/2014/main" id="{1C31E9EB-D0E0-41B8-A3DC-ACF64B052100}"/>
+                <a16:creationId xmlns:a16="http://schemas.microsoft.com/office/drawing/2014/main" xmlns="" id="{1C31E9EB-D0E0-41B8-A3DC-ACF64B052100}"/>
               </a:ext>
             </a:extLst>
           </p:cNvPr>
@@ -1215,7 +1215,7 @@
           <p:cNvPr id="9" name="Subtitle 2">
             <a:extLst>
               <a:ext uri="{FF2B5EF4-FFF2-40B4-BE49-F238E27FC236}">
-                <a16:creationId xmlns:a16="http://schemas.microsoft.com/office/drawing/2014/main" id="{A42ECBB3-B24A-4AB5-8523-6AEAACDAC1D2}"/>
+                <a16:creationId xmlns:a16="http://schemas.microsoft.com/office/drawing/2014/main" xmlns="" id="{A42ECBB3-B24A-4AB5-8523-6AEAACDAC1D2}"/>
               </a:ext>
             </a:extLst>
           </p:cNvPr>
@@ -1372,7 +1372,7 @@
           <p:cNvPr id="7" name="Picture 2" descr="C:\Users\435\Desktop\backup131031\c_晉泰\150423_ptt版型\ppt_temp1-2_16x9-01.jpgppt_temp1-2_16x9-01">
             <a:extLst>
               <a:ext uri="{FF2B5EF4-FFF2-40B4-BE49-F238E27FC236}">
-                <a16:creationId xmlns:a16="http://schemas.microsoft.com/office/drawing/2014/main" id="{CA9CF61F-ABF3-4FBC-ABD3-394535D08F6D}"/>
+                <a16:creationId xmlns:a16="http://schemas.microsoft.com/office/drawing/2014/main" xmlns="" id="{CA9CF61F-ABF3-4FBC-ABD3-394535D08F6D}"/>
               </a:ext>
             </a:extLst>
           </p:cNvPr>
@@ -1417,7 +1417,7 @@
           <p:cNvPr id="8" name="Title 1">
             <a:extLst>
               <a:ext uri="{FF2B5EF4-FFF2-40B4-BE49-F238E27FC236}">
-                <a16:creationId xmlns:a16="http://schemas.microsoft.com/office/drawing/2014/main" id="{1C31E9EB-D0E0-41B8-A3DC-ACF64B052100}"/>
+                <a16:creationId xmlns:a16="http://schemas.microsoft.com/office/drawing/2014/main" xmlns="" id="{1C31E9EB-D0E0-41B8-A3DC-ACF64B052100}"/>
               </a:ext>
             </a:extLst>
           </p:cNvPr>
@@ -1479,7 +1479,7 @@
           <p:cNvPr id="9" name="Subtitle 2">
             <a:extLst>
               <a:ext uri="{FF2B5EF4-FFF2-40B4-BE49-F238E27FC236}">
-                <a16:creationId xmlns:a16="http://schemas.microsoft.com/office/drawing/2014/main" id="{A42ECBB3-B24A-4AB5-8523-6AEAACDAC1D2}"/>
+                <a16:creationId xmlns:a16="http://schemas.microsoft.com/office/drawing/2014/main" xmlns="" id="{A42ECBB3-B24A-4AB5-8523-6AEAACDAC1D2}"/>
               </a:ext>
             </a:extLst>
           </p:cNvPr>
@@ -1805,7 +1805,7 @@
           <a:p>
             <a:fld id="{9D6AEB64-7FB8-4615-9D6A-125EF6286E45}" type="datetimeFigureOut">
               <a:rPr lang="zh-HK" altLang="en-US" smtClean="0"/>
-              <a:t>31/1/2021</a:t>
+              <a:t>2/2/2021</a:t>
             </a:fld>
             <a:endParaRPr lang="zh-HK" altLang="en-US"/>
           </a:p>
@@ -1910,7 +1910,7 @@
           <p:cNvPr id="2" name="矩形: 圓角 1">
             <a:extLst>
               <a:ext uri="{FF2B5EF4-FFF2-40B4-BE49-F238E27FC236}">
-                <a16:creationId xmlns:a16="http://schemas.microsoft.com/office/drawing/2014/main" id="{F77316F4-F869-427A-8C16-DCA53DABAC15}"/>
+                <a16:creationId xmlns:a16="http://schemas.microsoft.com/office/drawing/2014/main" xmlns="" id="{F77316F4-F869-427A-8C16-DCA53DABAC15}"/>
               </a:ext>
             </a:extLst>
           </p:cNvPr>
@@ -2003,7 +2003,7 @@
           <p:cNvPr id="2" name="標題 1">
             <a:extLst>
               <a:ext uri="{FF2B5EF4-FFF2-40B4-BE49-F238E27FC236}">
-                <a16:creationId xmlns:a16="http://schemas.microsoft.com/office/drawing/2014/main" id="{A468EFF2-0480-4347-87A5-B9433CD73C1F}"/>
+                <a16:creationId xmlns:a16="http://schemas.microsoft.com/office/drawing/2014/main" xmlns="" id="{A468EFF2-0480-4347-87A5-B9433CD73C1F}"/>
               </a:ext>
             </a:extLst>
           </p:cNvPr>
@@ -2031,7 +2031,7 @@
           <p:cNvPr id="3" name="日期版面配置區 2">
             <a:extLst>
               <a:ext uri="{FF2B5EF4-FFF2-40B4-BE49-F238E27FC236}">
-                <a16:creationId xmlns:a16="http://schemas.microsoft.com/office/drawing/2014/main" id="{43580BDA-71B5-4318-A1CB-D8BA1544C153}"/>
+                <a16:creationId xmlns:a16="http://schemas.microsoft.com/office/drawing/2014/main" xmlns="" id="{43580BDA-71B5-4318-A1CB-D8BA1544C153}"/>
               </a:ext>
             </a:extLst>
           </p:cNvPr>
@@ -2049,7 +2049,7 @@
           <a:p>
             <a:fld id="{9D6AEB64-7FB8-4615-9D6A-125EF6286E45}" type="datetimeFigureOut">
               <a:rPr lang="zh-HK" altLang="en-US" smtClean="0"/>
-              <a:t>31/1/2021</a:t>
+              <a:t>2/2/2021</a:t>
             </a:fld>
             <a:endParaRPr lang="zh-HK" altLang="en-US"/>
           </a:p>
@@ -2060,7 +2060,7 @@
           <p:cNvPr id="4" name="頁尾版面配置區 3">
             <a:extLst>
               <a:ext uri="{FF2B5EF4-FFF2-40B4-BE49-F238E27FC236}">
-                <a16:creationId xmlns:a16="http://schemas.microsoft.com/office/drawing/2014/main" id="{91939587-62A8-4B06-B90E-0B2BC54E418D}"/>
+                <a16:creationId xmlns:a16="http://schemas.microsoft.com/office/drawing/2014/main" xmlns="" id="{91939587-62A8-4B06-B90E-0B2BC54E418D}"/>
               </a:ext>
             </a:extLst>
           </p:cNvPr>
@@ -2085,7 +2085,7 @@
           <p:cNvPr id="5" name="投影片編號版面配置區 4">
             <a:extLst>
               <a:ext uri="{FF2B5EF4-FFF2-40B4-BE49-F238E27FC236}">
-                <a16:creationId xmlns:a16="http://schemas.microsoft.com/office/drawing/2014/main" id="{BC1D5CEB-B7AF-43F2-A186-EFA198898E25}"/>
+                <a16:creationId xmlns:a16="http://schemas.microsoft.com/office/drawing/2014/main" xmlns="" id="{BC1D5CEB-B7AF-43F2-A186-EFA198898E25}"/>
               </a:ext>
             </a:extLst>
           </p:cNvPr>
@@ -2253,7 +2253,7 @@
           <a:p>
             <a:fld id="{9D6AEB64-7FB8-4615-9D6A-125EF6286E45}" type="datetimeFigureOut">
               <a:rPr lang="zh-HK" altLang="en-US" smtClean="0"/>
-              <a:t>31/1/2021</a:t>
+              <a:t>2/2/2021</a:t>
             </a:fld>
             <a:endParaRPr lang="zh-HK" altLang="en-US"/>
           </a:p>
@@ -2337,7 +2337,7 @@
           <p:cNvPr id="17" name="Picture 2" descr="C:\Users\435\Desktop\backup131031\c_晉泰\150423_ptt版型\ppt_temp1-2_16x9-01.jpgppt_temp1-2_16x9-01">
             <a:extLst>
               <a:ext uri="{FF2B5EF4-FFF2-40B4-BE49-F238E27FC236}">
-                <a16:creationId xmlns:a16="http://schemas.microsoft.com/office/drawing/2014/main" id="{9388A5E2-4CEF-4549-9116-070EA616617F}"/>
+                <a16:creationId xmlns:a16="http://schemas.microsoft.com/office/drawing/2014/main" xmlns="" id="{9388A5E2-4CEF-4549-9116-070EA616617F}"/>
               </a:ext>
             </a:extLst>
           </p:cNvPr>
@@ -4244,7 +4244,7 @@
           <a:p>
             <a:fld id="{9D6AEB64-7FB8-4615-9D6A-125EF6286E45}" type="datetimeFigureOut">
               <a:rPr lang="zh-HK" altLang="en-US" smtClean="0"/>
-              <a:t>31/1/2021</a:t>
+              <a:t>2/2/2021</a:t>
             </a:fld>
             <a:endParaRPr lang="zh-HK" altLang="en-US"/>
           </a:p>
@@ -4397,7 +4397,7 @@
           <p:cNvPr id="10" name="圖片 9">
             <a:extLst>
               <a:ext uri="{FF2B5EF4-FFF2-40B4-BE49-F238E27FC236}">
-                <a16:creationId xmlns:a16="http://schemas.microsoft.com/office/drawing/2014/main" id="{A5E41A15-1AC0-4811-A02F-89A4BD63E048}"/>
+                <a16:creationId xmlns:a16="http://schemas.microsoft.com/office/drawing/2014/main" xmlns="" id="{A5E41A15-1AC0-4811-A02F-89A4BD63E048}"/>
               </a:ext>
             </a:extLst>
           </p:cNvPr>
@@ -4427,7 +4427,7 @@
           <p:cNvPr id="16" name="ppt_temp2_inside_16x9-01.jpg" descr="C:\Users\home\Desktop\backup\c_晉泰\新增資料夾\150423_ptt版型\ppt_版本2\ppt_temp2_inside_16x9-01.jpgppt_temp2_inside_16x9-01">
             <a:extLst>
               <a:ext uri="{FF2B5EF4-FFF2-40B4-BE49-F238E27FC236}">
-                <a16:creationId xmlns:a16="http://schemas.microsoft.com/office/drawing/2014/main" id="{55504124-2791-41A9-8F83-BA9F7969C8E2}"/>
+                <a16:creationId xmlns:a16="http://schemas.microsoft.com/office/drawing/2014/main" xmlns="" id="{55504124-2791-41A9-8F83-BA9F7969C8E2}"/>
               </a:ext>
             </a:extLst>
           </p:cNvPr>
@@ -4831,7 +4831,7 @@
           <p:cNvPr id="2" name="標題 1">
             <a:extLst>
               <a:ext uri="{FF2B5EF4-FFF2-40B4-BE49-F238E27FC236}">
-                <a16:creationId xmlns:a16="http://schemas.microsoft.com/office/drawing/2014/main" id="{0A46C2C8-41CC-4A61-B934-862431EF4D10}"/>
+                <a16:creationId xmlns:a16="http://schemas.microsoft.com/office/drawing/2014/main" xmlns="" id="{0A46C2C8-41CC-4A61-B934-862431EF4D10}"/>
               </a:ext>
             </a:extLst>
           </p:cNvPr>
@@ -4893,7 +4893,7 @@
           <p:cNvPr id="3" name="副標題 2">
             <a:extLst>
               <a:ext uri="{FF2B5EF4-FFF2-40B4-BE49-F238E27FC236}">
-                <a16:creationId xmlns:a16="http://schemas.microsoft.com/office/drawing/2014/main" id="{FA34BF57-6FF2-4F33-8F68-B597FBB507EF}"/>
+                <a16:creationId xmlns:a16="http://schemas.microsoft.com/office/drawing/2014/main" xmlns="" id="{FA34BF57-6FF2-4F33-8F68-B597FBB507EF}"/>
               </a:ext>
             </a:extLst>
           </p:cNvPr>
@@ -4962,6 +4962,13 @@
   <p:clrMapOvr>
     <a:masterClrMapping/>
   </p:clrMapOvr>
+  <p:timing>
+    <p:tnLst>
+      <p:par>
+        <p:cTn id="1" dur="indefinite" restart="never" nodeType="tmRoot"/>
+      </p:par>
+    </p:tnLst>
+  </p:timing>
 </p:sld>
 </file>
 
@@ -4992,6 +4999,13 @@
         </p:nvPicPr>
         <p:blipFill>
           <a:blip r:embed="rId2">
+            <a:duotone>
+              <a:schemeClr val="bg2">
+                <a:shade val="45000"/>
+                <a:satMod val="135000"/>
+              </a:schemeClr>
+              <a:prstClr val="white"/>
+            </a:duotone>
             <a:extLst>
               <a:ext uri="{28A0092B-C50C-407E-A947-70E740481C1C}">
                 <a14:useLocalDpi xmlns:a14="http://schemas.microsoft.com/office/drawing/2010/main" val="0"/>
@@ -5005,8 +5019,8 @@
         </p:blipFill>
         <p:spPr bwMode="auto">
           <a:xfrm rot="10800000">
-            <a:off x="-252536" y="-213522"/>
-            <a:ext cx="8570613" cy="4153424"/>
+            <a:off x="-396552" y="-275851"/>
+            <a:ext cx="8124846" cy="4729488"/>
           </a:xfrm>
           <a:prstGeom prst="rect">
             <a:avLst/>
@@ -5016,7 +5030,7 @@
             <a:noFill/>
           </a:ln>
           <a:effectLst>
-            <a:softEdge rad="317500"/>
+            <a:softEdge rad="406400"/>
           </a:effectLst>
           <a:extLst>
             <a:ext uri="{909E8E84-426E-40DD-AFC4-6F175D3DCCD1}">
@@ -5294,6 +5308,13 @@
   <p:transition spd="slow">
     <p:push dir="u"/>
   </p:transition>
+  <p:timing>
+    <p:tnLst>
+      <p:par>
+        <p:cTn id="1" dur="indefinite" restart="never" nodeType="tmRoot"/>
+      </p:par>
+    </p:tnLst>
+  </p:timing>
 </p:sld>
 </file>
 
@@ -5319,7 +5340,7 @@
           <p:cNvPr id="4" name="標題 3">
             <a:extLst>
               <a:ext uri="{FF2B5EF4-FFF2-40B4-BE49-F238E27FC236}">
-                <a16:creationId xmlns:a16="http://schemas.microsoft.com/office/drawing/2014/main" id="{98A459EC-FED8-4F37-9EC1-E821C1F36417}"/>
+                <a16:creationId xmlns:a16="http://schemas.microsoft.com/office/drawing/2014/main" xmlns="" id="{98A459EC-FED8-4F37-9EC1-E821C1F36417}"/>
               </a:ext>
             </a:extLst>
           </p:cNvPr>
@@ -5358,7 +5379,7 @@
           <p:cNvPr id="3" name="投影片編號版面配置區 2">
             <a:extLst>
               <a:ext uri="{FF2B5EF4-FFF2-40B4-BE49-F238E27FC236}">
-                <a16:creationId xmlns:a16="http://schemas.microsoft.com/office/drawing/2014/main" id="{841ED851-6764-4E32-8958-8DE3D1F12A64}"/>
+                <a16:creationId xmlns:a16="http://schemas.microsoft.com/office/drawing/2014/main" xmlns="" id="{841ED851-6764-4E32-8958-8DE3D1F12A64}"/>
               </a:ext>
             </a:extLst>
           </p:cNvPr>
@@ -5393,7 +5414,7 @@
           <p:cNvPr id="6" name="內容版面配置區 5">
             <a:extLst>
               <a:ext uri="{FF2B5EF4-FFF2-40B4-BE49-F238E27FC236}">
-                <a16:creationId xmlns:a16="http://schemas.microsoft.com/office/drawing/2014/main" id="{1BF7BFC2-EB68-44A3-AB24-9839D934CFD6}"/>
+                <a16:creationId xmlns:a16="http://schemas.microsoft.com/office/drawing/2014/main" xmlns="" id="{1BF7BFC2-EB68-44A3-AB24-9839D934CFD6}"/>
               </a:ext>
             </a:extLst>
           </p:cNvPr>
@@ -5528,7 +5549,7 @@
           <p:cNvPr id="5" name="圖片 4">
             <a:extLst>
               <a:ext uri="{FF2B5EF4-FFF2-40B4-BE49-F238E27FC236}">
-                <a16:creationId xmlns:a16="http://schemas.microsoft.com/office/drawing/2014/main" id="{14F0E006-1559-457D-9AF9-0C3B7E6D5211}"/>
+                <a16:creationId xmlns:a16="http://schemas.microsoft.com/office/drawing/2014/main" xmlns="" id="{14F0E006-1559-457D-9AF9-0C3B7E6D5211}"/>
               </a:ext>
             </a:extLst>
           </p:cNvPr>
@@ -5566,6 +5587,13 @@
   <p:transition spd="slow">
     <p:push dir="u"/>
   </p:transition>
+  <p:timing>
+    <p:tnLst>
+      <p:par>
+        <p:cTn id="1" dur="indefinite" restart="never" nodeType="tmRoot"/>
+      </p:par>
+    </p:tnLst>
+  </p:timing>
 </p:sld>
 </file>
 
@@ -5591,7 +5619,7 @@
           <p:cNvPr id="4" name="標題 3">
             <a:extLst>
               <a:ext uri="{FF2B5EF4-FFF2-40B4-BE49-F238E27FC236}">
-                <a16:creationId xmlns:a16="http://schemas.microsoft.com/office/drawing/2014/main" id="{98A459EC-FED8-4F37-9EC1-E821C1F36417}"/>
+                <a16:creationId xmlns:a16="http://schemas.microsoft.com/office/drawing/2014/main" xmlns="" id="{98A459EC-FED8-4F37-9EC1-E821C1F36417}"/>
               </a:ext>
             </a:extLst>
           </p:cNvPr>
@@ -5642,7 +5670,7 @@
           <p:cNvPr id="3" name="投影片編號版面配置區 2">
             <a:extLst>
               <a:ext uri="{FF2B5EF4-FFF2-40B4-BE49-F238E27FC236}">
-                <a16:creationId xmlns:a16="http://schemas.microsoft.com/office/drawing/2014/main" id="{841ED851-6764-4E32-8958-8DE3D1F12A64}"/>
+                <a16:creationId xmlns:a16="http://schemas.microsoft.com/office/drawing/2014/main" xmlns="" id="{841ED851-6764-4E32-8958-8DE3D1F12A64}"/>
               </a:ext>
             </a:extLst>
           </p:cNvPr>
@@ -5677,7 +5705,7 @@
           <p:cNvPr id="6" name="內容版面配置區 5">
             <a:extLst>
               <a:ext uri="{FF2B5EF4-FFF2-40B4-BE49-F238E27FC236}">
-                <a16:creationId xmlns:a16="http://schemas.microsoft.com/office/drawing/2014/main" id="{1BF7BFC2-EB68-44A3-AB24-9839D934CFD6}"/>
+                <a16:creationId xmlns:a16="http://schemas.microsoft.com/office/drawing/2014/main" xmlns="" id="{1BF7BFC2-EB68-44A3-AB24-9839D934CFD6}"/>
               </a:ext>
             </a:extLst>
           </p:cNvPr>
@@ -5752,7 +5780,7 @@
           <p:cNvPr id="9" name="圖片 8">
             <a:extLst>
               <a:ext uri="{FF2B5EF4-FFF2-40B4-BE49-F238E27FC236}">
-                <a16:creationId xmlns:a16="http://schemas.microsoft.com/office/drawing/2014/main" id="{94C49B0F-C496-444C-95E9-81059EEF0726}"/>
+                <a16:creationId xmlns:a16="http://schemas.microsoft.com/office/drawing/2014/main" xmlns="" id="{94C49B0F-C496-444C-95E9-81059EEF0726}"/>
               </a:ext>
             </a:extLst>
           </p:cNvPr>
@@ -5782,7 +5810,7 @@
           <p:cNvPr id="8" name="矩形 7">
             <a:extLst>
               <a:ext uri="{FF2B5EF4-FFF2-40B4-BE49-F238E27FC236}">
-                <a16:creationId xmlns:a16="http://schemas.microsoft.com/office/drawing/2014/main" id="{CB684918-9EE7-456C-98A1-B17BFCB09E52}"/>
+                <a16:creationId xmlns:a16="http://schemas.microsoft.com/office/drawing/2014/main" xmlns="" id="{CB684918-9EE7-456C-98A1-B17BFCB09E52}"/>
               </a:ext>
             </a:extLst>
           </p:cNvPr>
@@ -5842,7 +5870,7 @@
           <p:cNvPr id="5" name="圖片 4">
             <a:extLst>
               <a:ext uri="{FF2B5EF4-FFF2-40B4-BE49-F238E27FC236}">
-                <a16:creationId xmlns:a16="http://schemas.microsoft.com/office/drawing/2014/main" id="{5AA9D42B-A3C8-4710-8413-69B96420DF12}"/>
+                <a16:creationId xmlns:a16="http://schemas.microsoft.com/office/drawing/2014/main" xmlns="" id="{5AA9D42B-A3C8-4710-8413-69B96420DF12}"/>
               </a:ext>
             </a:extLst>
           </p:cNvPr>
@@ -7309,123 +7337,6 @@
       </p:grpSp>
       <p:grpSp>
         <p:nvGrpSpPr>
-          <p:cNvPr id="30" name="群組 29"/>
-          <p:cNvGrpSpPr/>
-          <p:nvPr/>
-        </p:nvGrpSpPr>
-        <p:grpSpPr>
-          <a:xfrm>
-            <a:off x="137508" y="987574"/>
-            <a:ext cx="8826980" cy="3416074"/>
-            <a:chOff x="1524846" y="2792656"/>
-            <a:chExt cx="9862486" cy="4088449"/>
-          </a:xfrm>
-        </p:grpSpPr>
-        <p:pic>
-          <p:nvPicPr>
-            <p:cNvPr id="9" name="Picture 5"/>
-            <p:cNvPicPr>
-              <a:picLocks noChangeAspect="1" noChangeArrowheads="1"/>
-            </p:cNvPicPr>
-            <p:nvPr/>
-          </p:nvPicPr>
-          <p:blipFill>
-            <a:blip r:embed="rId4">
-              <a:extLst>
-                <a:ext uri="{28A0092B-C50C-407E-A947-70E740481C1C}">
-                  <a14:useLocalDpi xmlns:a14="http://schemas.microsoft.com/office/drawing/2010/main" val="0"/>
-                </a:ext>
-              </a:extLst>
-            </a:blip>
-            <a:srcRect/>
-            <a:stretch>
-              <a:fillRect/>
-            </a:stretch>
-          </p:blipFill>
-          <p:spPr bwMode="auto">
-            <a:xfrm>
-              <a:off x="1524846" y="2792656"/>
-              <a:ext cx="9862486" cy="4088449"/>
-            </a:xfrm>
-            <a:prstGeom prst="rect">
-              <a:avLst/>
-            </a:prstGeom>
-            <a:noFill/>
-            <a:ln w="9525">
-              <a:solidFill>
-                <a:schemeClr val="bg1"/>
-              </a:solidFill>
-              <a:miter lim="800000"/>
-              <a:headEnd/>
-              <a:tailEnd/>
-            </a:ln>
-            <a:effectLst/>
-            <a:extLst>
-              <a:ext uri="{909E8E84-426E-40DD-AFC4-6F175D3DCCD1}">
-                <a14:hiddenFill xmlns:a14="http://schemas.microsoft.com/office/drawing/2010/main">
-                  <a:solidFill>
-                    <a:schemeClr val="accent1"/>
-                  </a:solidFill>
-                </a14:hiddenFill>
-              </a:ext>
-            </a:extLst>
-          </p:spPr>
-        </p:pic>
-        <p:sp>
-          <p:nvSpPr>
-            <p:cNvPr id="10" name="文字方塊 9"/>
-            <p:cNvSpPr txBox="1"/>
-            <p:nvPr/>
-          </p:nvSpPr>
-          <p:spPr>
-            <a:xfrm>
-              <a:off x="7808483" y="5259942"/>
-              <a:ext cx="2910412" cy="1200329"/>
-            </a:xfrm>
-            <a:prstGeom prst="rect">
-              <a:avLst/>
-            </a:prstGeom>
-            <a:solidFill>
-              <a:schemeClr val="bg1">
-                <a:alpha val="0"/>
-              </a:schemeClr>
-            </a:solidFill>
-          </p:spPr>
-          <p:txBody>
-            <a:bodyPr wrap="none" rtlCol="0">
-              <a:spAutoFit/>
-            </a:bodyPr>
-            <a:lstStyle/>
-            <a:p>
-              <a:r>
-                <a:rPr lang="en-US" altLang="zh-TW" sz="7200" b="1" dirty="0">
-                  <a:solidFill>
-                    <a:schemeClr val="tx2">
-                      <a:lumMod val="75000"/>
-                      <a:alpha val="34000"/>
-                    </a:schemeClr>
-                  </a:solidFill>
-                  <a:latin typeface="微軟正黑體" panose="020B0604030504040204" pitchFamily="34" charset="-120"/>
-                  <a:ea typeface="微軟正黑體" panose="020B0604030504040204" pitchFamily="34" charset="-120"/>
-                </a:rPr>
-                <a:t>970px</a:t>
-              </a:r>
-              <a:endParaRPr lang="zh-TW" altLang="en-US" sz="7200" b="1" dirty="0">
-                <a:solidFill>
-                  <a:schemeClr val="tx2">
-                    <a:lumMod val="75000"/>
-                    <a:alpha val="34000"/>
-                  </a:schemeClr>
-                </a:solidFill>
-                <a:latin typeface="微軟正黑體" panose="020B0604030504040204" pitchFamily="34" charset="-120"/>
-                <a:ea typeface="微軟正黑體" panose="020B0604030504040204" pitchFamily="34" charset="-120"/>
-              </a:endParaRPr>
-            </a:p>
-          </p:txBody>
-        </p:sp>
-      </p:grpSp>
-      <p:grpSp>
-        <p:nvGrpSpPr>
           <p:cNvPr id="39" name="群組 38"/>
           <p:cNvGrpSpPr/>
           <p:nvPr/>
@@ -7461,7 +7372,7 @@
               <p:nvPr/>
             </p:nvPicPr>
             <p:blipFill>
-              <a:blip r:embed="rId5">
+              <a:blip r:embed="rId4">
                 <a:extLst>
                   <a:ext uri="{28A0092B-C50C-407E-A947-70E740481C1C}">
                     <a14:useLocalDpi xmlns:a14="http://schemas.microsoft.com/office/drawing/2010/main" val="0"/>
@@ -7515,7 +7426,7 @@
               <p:nvPr/>
             </p:nvPicPr>
             <p:blipFill>
-              <a:blip r:embed="rId6">
+              <a:blip r:embed="rId5">
                 <a:extLst>
                   <a:ext uri="{28A0092B-C50C-407E-A947-70E740481C1C}">
                     <a14:useLocalDpi xmlns:a14="http://schemas.microsoft.com/office/drawing/2010/main" val="0"/>
@@ -7529,8 +7440,8 @@
             </p:blipFill>
             <p:spPr bwMode="auto">
               <a:xfrm>
-                <a:off x="4499992" y="1526398"/>
-                <a:ext cx="4752528" cy="3061576"/>
+                <a:off x="4499990" y="1526396"/>
+                <a:ext cx="4793356" cy="3072274"/>
               </a:xfrm>
               <a:prstGeom prst="rect">
                 <a:avLst/>
@@ -7718,7 +7629,7 @@
               <p:nvPr/>
             </p:nvPicPr>
             <p:blipFill>
-              <a:blip r:embed="rId7">
+              <a:blip r:embed="rId6">
                 <a:extLst>
                   <a:ext uri="{28A0092B-C50C-407E-A947-70E740481C1C}">
                     <a14:useLocalDpi xmlns:a14="http://schemas.microsoft.com/office/drawing/2010/main" val="0"/>
@@ -7772,7 +7683,7 @@
               <p:nvPr/>
             </p:nvPicPr>
             <p:blipFill>
-              <a:blip r:embed="rId8">
+              <a:blip r:embed="rId7">
                 <a:extLst>
                   <a:ext uri="{28A0092B-C50C-407E-A947-70E740481C1C}">
                     <a14:useLocalDpi xmlns:a14="http://schemas.microsoft.com/office/drawing/2010/main" val="0"/>
@@ -7889,11 +7800,19 @@
         </p:nvGrpSpPr>
         <p:grpSpPr>
           <a:xfrm>
-            <a:off x="61665" y="973643"/>
-            <a:ext cx="8902823" cy="2656834"/>
+            <a:off x="142674" y="1159602"/>
+            <a:ext cx="8892480" cy="2656834"/>
             <a:chOff x="-3873770" y="4699033"/>
             <a:chExt cx="8460432" cy="2393648"/>
           </a:xfrm>
+          <a:effectLst>
+            <a:glow rad="190500">
+              <a:schemeClr val="bg1">
+                <a:lumMod val="50000"/>
+                <a:alpha val="40000"/>
+              </a:schemeClr>
+            </a:glow>
+          </a:effectLst>
         </p:grpSpPr>
         <p:pic>
           <p:nvPicPr>
@@ -7904,7 +7823,7 @@
             <p:nvPr/>
           </p:nvPicPr>
           <p:blipFill>
-            <a:blip r:embed="rId9">
+            <a:blip r:embed="rId8">
               <a:extLst>
                 <a:ext uri="{28A0092B-C50C-407E-A947-70E740481C1C}">
                   <a14:useLocalDpi xmlns:a14="http://schemas.microsoft.com/office/drawing/2010/main" val="0"/>
@@ -7958,7 +7877,7 @@
           <p:spPr>
             <a:xfrm>
               <a:off x="823725" y="5812110"/>
-              <a:ext cx="3460243" cy="1200329"/>
+              <a:ext cx="175756" cy="1081424"/>
             </a:xfrm>
             <a:prstGeom prst="rect">
               <a:avLst/>
@@ -7975,19 +7894,118 @@
             </a:bodyPr>
             <a:lstStyle/>
             <a:p>
-              <a:r>
-                <a:rPr lang="en-US" altLang="zh-TW" sz="7200" b="1" dirty="0">
+              <a:endParaRPr lang="zh-TW" altLang="en-US" sz="7200" b="1" dirty="0">
+                <a:solidFill>
+                  <a:schemeClr val="tx2">
+                    <a:lumMod val="75000"/>
+                    <a:alpha val="34000"/>
+                  </a:schemeClr>
+                </a:solidFill>
+                <a:latin typeface="微軟正黑體" panose="020B0604030504040204" pitchFamily="34" charset="-120"/>
+                <a:ea typeface="微軟正黑體" panose="020B0604030504040204" pitchFamily="34" charset="-120"/>
+              </a:endParaRPr>
+            </a:p>
+          </p:txBody>
+        </p:sp>
+      </p:grpSp>
+      <p:grpSp>
+        <p:nvGrpSpPr>
+          <p:cNvPr id="30" name="群組 29"/>
+          <p:cNvGrpSpPr/>
+          <p:nvPr/>
+        </p:nvGrpSpPr>
+        <p:grpSpPr>
+          <a:xfrm>
+            <a:off x="251520" y="968834"/>
+            <a:ext cx="8595794" cy="3259100"/>
+            <a:chOff x="1524846" y="2859479"/>
+            <a:chExt cx="9862486" cy="4088449"/>
+          </a:xfrm>
+          <a:effectLst>
+            <a:glow rad="190500">
+              <a:schemeClr val="bg1">
+                <a:lumMod val="50000"/>
+                <a:alpha val="40000"/>
+              </a:schemeClr>
+            </a:glow>
+          </a:effectLst>
+        </p:grpSpPr>
+        <p:pic>
+          <p:nvPicPr>
+            <p:cNvPr id="9" name="Picture 5"/>
+            <p:cNvPicPr>
+              <a:picLocks noChangeAspect="1" noChangeArrowheads="1"/>
+            </p:cNvPicPr>
+            <p:nvPr/>
+          </p:nvPicPr>
+          <p:blipFill>
+            <a:blip r:embed="rId9">
+              <a:extLst>
+                <a:ext uri="{28A0092B-C50C-407E-A947-70E740481C1C}">
+                  <a14:useLocalDpi xmlns:a14="http://schemas.microsoft.com/office/drawing/2010/main" val="0"/>
+                </a:ext>
+              </a:extLst>
+            </a:blip>
+            <a:srcRect/>
+            <a:stretch>
+              <a:fillRect/>
+            </a:stretch>
+          </p:blipFill>
+          <p:spPr bwMode="auto">
+            <a:xfrm>
+              <a:off x="1524846" y="2859479"/>
+              <a:ext cx="9862486" cy="4088449"/>
+            </a:xfrm>
+            <a:prstGeom prst="rect">
+              <a:avLst/>
+            </a:prstGeom>
+            <a:noFill/>
+            <a:ln w="9525">
+              <a:solidFill>
+                <a:schemeClr val="bg1"/>
+              </a:solidFill>
+              <a:miter lim="800000"/>
+              <a:headEnd/>
+              <a:tailEnd/>
+            </a:ln>
+            <a:effectLst/>
+            <a:extLst>
+              <a:ext uri="{909E8E84-426E-40DD-AFC4-6F175D3DCCD1}">
+                <a14:hiddenFill xmlns:a14="http://schemas.microsoft.com/office/drawing/2010/main">
                   <a:solidFill>
-                    <a:schemeClr val="tx2">
-                      <a:lumMod val="75000"/>
-                      <a:alpha val="34000"/>
-                    </a:schemeClr>
+                    <a:schemeClr val="accent1"/>
                   </a:solidFill>
-                  <a:latin typeface="微軟正黑體" panose="020B0604030504040204" pitchFamily="34" charset="-120"/>
-                  <a:ea typeface="微軟正黑體" panose="020B0604030504040204" pitchFamily="34" charset="-120"/>
-                </a:rPr>
-                <a:t>1170px</a:t>
-              </a:r>
+                </a14:hiddenFill>
+              </a:ext>
+            </a:extLst>
+          </p:spPr>
+        </p:pic>
+        <p:sp>
+          <p:nvSpPr>
+            <p:cNvPr id="10" name="文字方塊 9"/>
+            <p:cNvSpPr txBox="1"/>
+            <p:nvPr/>
+          </p:nvSpPr>
+          <p:spPr>
+            <a:xfrm>
+              <a:off x="7808483" y="5259942"/>
+              <a:ext cx="211953" cy="1505779"/>
+            </a:xfrm>
+            <a:prstGeom prst="rect">
+              <a:avLst/>
+            </a:prstGeom>
+            <a:solidFill>
+              <a:schemeClr val="bg1">
+                <a:alpha val="0"/>
+              </a:schemeClr>
+            </a:solidFill>
+          </p:spPr>
+          <p:txBody>
+            <a:bodyPr wrap="none" rtlCol="0">
+              <a:spAutoFit/>
+            </a:bodyPr>
+            <a:lstStyle/>
+            <a:p>
               <a:endParaRPr lang="zh-TW" altLang="en-US" sz="7200" b="1" dirty="0">
                 <a:solidFill>
                   <a:schemeClr val="tx2">
@@ -8010,13 +8028,13 @@
         </p:nvGrpSpPr>
         <p:grpSpPr>
           <a:xfrm>
-            <a:off x="1946477" y="843558"/>
-            <a:ext cx="4549898" cy="3419475"/>
+            <a:off x="2411760" y="880467"/>
+            <a:ext cx="4486275" cy="3419475"/>
             <a:chOff x="10764688" y="-92546"/>
-            <a:chExt cx="4549898" cy="3419475"/>
+            <a:chExt cx="4486275" cy="3419475"/>
           </a:xfrm>
           <a:effectLst>
-            <a:glow rad="635000">
+            <a:glow rad="381000">
               <a:schemeClr val="bg1">
                 <a:lumMod val="50000"/>
                 <a:alpha val="40000"/>
@@ -8097,7 +8115,7 @@
           <p:spPr>
             <a:xfrm>
               <a:off x="12404174" y="1852086"/>
-              <a:ext cx="2910412" cy="1200329"/>
+              <a:ext cx="184731" cy="1200329"/>
             </a:xfrm>
             <a:prstGeom prst="rect">
               <a:avLst/>
@@ -8114,19 +8132,6 @@
             </a:bodyPr>
             <a:lstStyle/>
             <a:p>
-              <a:r>
-                <a:rPr lang="en-US" altLang="zh-TW" sz="7200" b="1" dirty="0">
-                  <a:solidFill>
-                    <a:schemeClr val="tx2">
-                      <a:lumMod val="75000"/>
-                      <a:alpha val="34000"/>
-                    </a:schemeClr>
-                  </a:solidFill>
-                  <a:latin typeface="微軟正黑體" panose="020B0604030504040204" pitchFamily="34" charset="-120"/>
-                  <a:ea typeface="微軟正黑體" panose="020B0604030504040204" pitchFamily="34" charset="-120"/>
-                </a:rPr>
-                <a:t>750px</a:t>
-              </a:r>
               <a:endParaRPr lang="zh-TW" altLang="en-US" sz="7200" b="1" dirty="0">
                 <a:solidFill>
                   <a:schemeClr val="tx2">
@@ -8144,7 +8149,7 @@
     </p:spTree>
     <p:extLst>
       <p:ext uri="{BB962C8B-B14F-4D97-AF65-F5344CB8AC3E}">
-        <p14:creationId xmlns:p14="http://schemas.microsoft.com/office/powerpoint/2010/main" val="705933473"/>
+        <p14:creationId xmlns:p14="http://schemas.microsoft.com/office/powerpoint/2010/main" val="1378715769"/>
       </p:ext>
     </p:extLst>
   </p:cSld>
@@ -8175,36 +8180,32 @@
                             </p:stCondLst>
                             <p:childTnLst>
                               <p:par>
-                                <p:cTn id="5" presetID="42" presetClass="path" presetSubtype="0" accel="50000" decel="50000" fill="hold" nodeType="clickEffect">
+                                <p:cTn id="5" presetID="23" presetClass="entr" presetSubtype="16" fill="hold" nodeType="clickEffect">
                                   <p:stCondLst>
                                     <p:cond delay="0"/>
                                   </p:stCondLst>
                                   <p:childTnLst>
-                                    <p:animMotion origin="layout" path="M 1.66667E-6 0.10186 L -0.37066 -0.10432 " pathEditMode="relative" rAng="0" ptsTypes="AA">
+                                    <p:set>
                                       <p:cBhvr>
-                                        <p:cTn id="6" dur="500" fill="hold"/>
+                                        <p:cTn id="6" dur="1" fill="hold">
+                                          <p:stCondLst>
+                                            <p:cond delay="0"/>
+                                          </p:stCondLst>
+                                        </p:cTn>
                                         <p:tgtEl>
                                           <p:spTgt spid="31"/>
                                         </p:tgtEl>
                                         <p:attrNameLst>
-                                          <p:attrName>ppt_x</p:attrName>
-                                          <p:attrName>ppt_y</p:attrName>
+                                          <p:attrName>style.visibility</p:attrName>
                                         </p:attrNameLst>
                                       </p:cBhvr>
-                                      <p:rCtr x="-18542" y="-10309"/>
-                                    </p:animMotion>
-                                  </p:childTnLst>
-                                </p:cTn>
-                              </p:par>
-                              <p:par>
-                                <p:cTn id="7" presetID="53" presetClass="exit" presetSubtype="32" fill="hold" nodeType="withEffect">
-                                  <p:stCondLst>
-                                    <p:cond delay="0"/>
-                                  </p:stCondLst>
-                                  <p:childTnLst>
+                                      <p:to>
+                                        <p:strVal val="visible"/>
+                                      </p:to>
+                                    </p:set>
                                     <p:anim calcmode="lin" valueType="num">
                                       <p:cBhvr>
-                                        <p:cTn id="8" dur="500"/>
+                                        <p:cTn id="7" dur="500" fill="hold"/>
                                         <p:tgtEl>
                                           <p:spTgt spid="31"/>
                                         </p:tgtEl>
@@ -8215,19 +8216,19 @@
                                       <p:tavLst>
                                         <p:tav tm="0">
                                           <p:val>
-                                            <p:strVal val="ppt_w"/>
+                                            <p:fltVal val="0"/>
                                           </p:val>
                                         </p:tav>
                                         <p:tav tm="100000">
                                           <p:val>
-                                            <p:fltVal val="0"/>
+                                            <p:strVal val="#ppt_w"/>
                                           </p:val>
                                         </p:tav>
                                       </p:tavLst>
                                     </p:anim>
                                     <p:anim calcmode="lin" valueType="num">
                                       <p:cBhvr>
-                                        <p:cTn id="9" dur="500"/>
+                                        <p:cTn id="8" dur="500" fill="hold"/>
                                         <p:tgtEl>
                                           <p:spTgt spid="31"/>
                                         </p:tgtEl>
@@ -8238,19 +8239,68 @@
                                       <p:tavLst>
                                         <p:tav tm="0">
                                           <p:val>
-                                            <p:strVal val="ppt_h"/>
+                                            <p:fltVal val="0"/>
                                           </p:val>
                                         </p:tav>
                                         <p:tav tm="100000">
                                           <p:val>
-                                            <p:fltVal val="0"/>
+                                            <p:strVal val="#ppt_h"/>
                                           </p:val>
                                         </p:tav>
                                       </p:tavLst>
                                     </p:anim>
-                                    <p:animEffect transition="out" filter="fade">
+                                  </p:childTnLst>
+                                </p:cTn>
+                              </p:par>
+                              <p:par>
+                                <p:cTn id="9" presetID="63" presetClass="path" presetSubtype="0" accel="50000" decel="50000" fill="hold" nodeType="withEffect">
+                                  <p:stCondLst>
+                                    <p:cond delay="0"/>
+                                  </p:stCondLst>
+                                  <p:childTnLst>
+                                    <p:animMotion origin="layout" path="M -0.38768 0.0583 L 3.88889E-6 -3.61505E-6 " pathEditMode="relative" rAng="0" ptsTypes="AA">
                                       <p:cBhvr>
-                                        <p:cTn id="10" dur="500"/>
+                                        <p:cTn id="10" dur="500" fill="hold"/>
+                                        <p:tgtEl>
+                                          <p:spTgt spid="31"/>
+                                        </p:tgtEl>
+                                        <p:attrNameLst>
+                                          <p:attrName>ppt_x</p:attrName>
+                                          <p:attrName>ppt_y</p:attrName>
+                                        </p:attrNameLst>
+                                      </p:cBhvr>
+                                      <p:rCtr x="19375" y="-2930"/>
+                                    </p:animMotion>
+                                  </p:childTnLst>
+                                </p:cTn>
+                              </p:par>
+                            </p:childTnLst>
+                          </p:cTn>
+                        </p:par>
+                      </p:childTnLst>
+                    </p:cTn>
+                  </p:par>
+                  <p:par>
+                    <p:cTn id="11" fill="hold">
+                      <p:stCondLst>
+                        <p:cond delay="indefinite"/>
+                      </p:stCondLst>
+                      <p:childTnLst>
+                        <p:par>
+                          <p:cTn id="12" fill="hold">
+                            <p:stCondLst>
+                              <p:cond delay="0"/>
+                            </p:stCondLst>
+                            <p:childTnLst>
+                              <p:par>
+                                <p:cTn id="13" presetID="22" presetClass="exit" presetSubtype="2" fill="hold" nodeType="clickEffect">
+                                  <p:stCondLst>
+                                    <p:cond delay="0"/>
+                                  </p:stCondLst>
+                                  <p:childTnLst>
+                                    <p:animEffect transition="out" filter="wipe(right)">
+                                      <p:cBhvr>
+                                        <p:cTn id="14" dur="500"/>
                                         <p:tgtEl>
                                           <p:spTgt spid="31"/>
                                         </p:tgtEl>
@@ -8258,7 +8308,7 @@
                                     </p:animEffect>
                                     <p:set>
                                       <p:cBhvr>
-                                        <p:cTn id="11" dur="1" fill="hold">
+                                        <p:cTn id="15" dur="1" fill="hold">
                                           <p:stCondLst>
                                             <p:cond delay="499"/>
                                           </p:stCondLst>
@@ -8281,20 +8331,20 @@
                           </p:cTn>
                         </p:par>
                         <p:par>
-                          <p:cTn id="12" fill="hold">
+                          <p:cTn id="16" fill="hold">
                             <p:stCondLst>
                               <p:cond delay="500"/>
                             </p:stCondLst>
                             <p:childTnLst>
                               <p:par>
-                                <p:cTn id="13" presetID="2" presetClass="entr" presetSubtype="2" fill="hold" nodeType="afterEffect">
+                                <p:cTn id="17" presetID="23" presetClass="entr" presetSubtype="16" fill="hold" nodeType="afterEffect">
                                   <p:stCondLst>
                                     <p:cond delay="0"/>
                                   </p:stCondLst>
                                   <p:childTnLst>
                                     <p:set>
                                       <p:cBhvr>
-                                        <p:cTn id="14" dur="1" fill="hold">
+                                        <p:cTn id="18" dur="1" fill="hold">
                                           <p:stCondLst>
                                             <p:cond delay="0"/>
                                           </p:stCondLst>
@@ -8311,78 +8361,51 @@
                                       </p:to>
                                     </p:set>
                                     <p:anim calcmode="lin" valueType="num">
-                                      <p:cBhvr additive="base">
-                                        <p:cTn id="15" dur="500" fill="hold"/>
+                                      <p:cBhvr>
+                                        <p:cTn id="19" dur="500" fill="hold"/>
                                         <p:tgtEl>
                                           <p:spTgt spid="30"/>
                                         </p:tgtEl>
                                         <p:attrNameLst>
-                                          <p:attrName>ppt_x</p:attrName>
+                                          <p:attrName>ppt_w</p:attrName>
                                         </p:attrNameLst>
                                       </p:cBhvr>
                                       <p:tavLst>
                                         <p:tav tm="0">
                                           <p:val>
-                                            <p:strVal val="1+#ppt_w/2"/>
+                                            <p:fltVal val="0"/>
                                           </p:val>
                                         </p:tav>
                                         <p:tav tm="100000">
                                           <p:val>
-                                            <p:strVal val="#ppt_x"/>
+                                            <p:strVal val="#ppt_w"/>
                                           </p:val>
                                         </p:tav>
                                       </p:tavLst>
                                     </p:anim>
                                     <p:anim calcmode="lin" valueType="num">
-                                      <p:cBhvr additive="base">
-                                        <p:cTn id="16" dur="500" fill="hold"/>
+                                      <p:cBhvr>
+                                        <p:cTn id="20" dur="500" fill="hold"/>
                                         <p:tgtEl>
                                           <p:spTgt spid="30"/>
                                         </p:tgtEl>
                                         <p:attrNameLst>
-                                          <p:attrName>ppt_y</p:attrName>
+                                          <p:attrName>ppt_h</p:attrName>
                                         </p:attrNameLst>
                                       </p:cBhvr>
                                       <p:tavLst>
                                         <p:tav tm="0">
                                           <p:val>
-                                            <p:strVal val="#ppt_y"/>
+                                            <p:fltVal val="0"/>
                                           </p:val>
                                         </p:tav>
                                         <p:tav tm="100000">
                                           <p:val>
-                                            <p:strVal val="#ppt_y"/>
+                                            <p:strVal val="#ppt_h"/>
                                           </p:val>
                                         </p:tav>
                                       </p:tavLst>
                                     </p:anim>
-                                  </p:childTnLst>
-                                </p:cTn>
-                              </p:par>
-                              <p:par>
-                                <p:cTn id="17" presetID="1" presetClass="entr" presetSubtype="0" fill="hold" nodeType="withEffect">
-                                  <p:stCondLst>
-                                    <p:cond delay="0"/>
-                                  </p:stCondLst>
-                                  <p:childTnLst>
-                                    <p:set>
-                                      <p:cBhvr>
-                                        <p:cTn id="18" dur="1" fill="hold">
-                                          <p:stCondLst>
-                                            <p:cond delay="0"/>
-                                          </p:stCondLst>
-                                        </p:cTn>
-                                        <p:tgtEl>
-                                          <p:spTgt spid="38"/>
-                                        </p:tgtEl>
-                                        <p:attrNameLst>
-                                          <p:attrName>style.visibility</p:attrName>
-                                        </p:attrNameLst>
-                                      </p:cBhvr>
-                                      <p:to>
-                                        <p:strVal val="visible"/>
-                                      </p:to>
-                                    </p:set>
                                   </p:childTnLst>
                                 </p:cTn>
                               </p:par>
@@ -8393,41 +8416,19 @@
                     </p:cTn>
                   </p:par>
                   <p:par>
-                    <p:cTn id="19" fill="hold">
+                    <p:cTn id="21" fill="hold">
                       <p:stCondLst>
                         <p:cond delay="indefinite"/>
                       </p:stCondLst>
                       <p:childTnLst>
                         <p:par>
-                          <p:cTn id="20" fill="hold">
+                          <p:cTn id="22" fill="hold">
                             <p:stCondLst>
                               <p:cond delay="0"/>
                             </p:stCondLst>
                             <p:childTnLst>
                               <p:par>
-                                <p:cTn id="21" presetID="64" presetClass="path" presetSubtype="0" accel="50000" decel="50000" fill="hold" nodeType="clickEffect">
-                                  <p:stCondLst>
-                                    <p:cond delay="0"/>
-                                  </p:stCondLst>
-                                  <p:childTnLst>
-                                    <p:animMotion origin="layout" path="M 0 4.07407E-6 L 0 -0.16081 " pathEditMode="relative" rAng="0" ptsTypes="AA">
-                                      <p:cBhvr>
-                                        <p:cTn id="22" dur="500" fill="hold"/>
-                                        <p:tgtEl>
-                                          <p:spTgt spid="30"/>
-                                        </p:tgtEl>
-                                        <p:attrNameLst>
-                                          <p:attrName>ppt_x</p:attrName>
-                                          <p:attrName>ppt_y</p:attrName>
-                                        </p:attrNameLst>
-                                      </p:cBhvr>
-                                      <p:rCtr x="0" y="-8056"/>
-                                    </p:animMotion>
-                                  </p:childTnLst>
-                                </p:cTn>
-                              </p:par>
-                              <p:par>
-                                <p:cTn id="23" presetID="53" presetClass="exit" presetSubtype="32" fill="hold" nodeType="withEffect">
+                                <p:cTn id="23" presetID="53" presetClass="exit" presetSubtype="32" fill="hold" nodeType="clickEffect">
                                   <p:stCondLst>
                                     <p:cond delay="0"/>
                                   </p:stCondLst>
@@ -8517,7 +8518,7 @@
                             </p:stCondLst>
                             <p:childTnLst>
                               <p:par>
-                                <p:cTn id="29" presetID="2" presetClass="entr" presetSubtype="4" fill="hold" nodeType="afterEffect">
+                                <p:cTn id="29" presetID="53" presetClass="entr" presetSubtype="16" fill="hold" nodeType="afterEffect">
                                   <p:stCondLst>
                                     <p:cond delay="0"/>
                                   </p:stCondLst>
@@ -8541,78 +8542,81 @@
                                       </p:to>
                                     </p:set>
                                     <p:anim calcmode="lin" valueType="num">
-                                      <p:cBhvr additive="base">
+                                      <p:cBhvr>
                                         <p:cTn id="31" dur="500" fill="hold"/>
                                         <p:tgtEl>
                                           <p:spTgt spid="29"/>
                                         </p:tgtEl>
                                         <p:attrNameLst>
-                                          <p:attrName>ppt_x</p:attrName>
+                                          <p:attrName>ppt_w</p:attrName>
                                         </p:attrNameLst>
                                       </p:cBhvr>
                                       <p:tavLst>
                                         <p:tav tm="0">
                                           <p:val>
-                                            <p:strVal val="#ppt_x"/>
+                                            <p:fltVal val="0"/>
                                           </p:val>
                                         </p:tav>
                                         <p:tav tm="100000">
                                           <p:val>
-                                            <p:strVal val="#ppt_x"/>
+                                            <p:strVal val="#ppt_w"/>
                                           </p:val>
                                         </p:tav>
                                       </p:tavLst>
                                     </p:anim>
                                     <p:anim calcmode="lin" valueType="num">
-                                      <p:cBhvr additive="base">
+                                      <p:cBhvr>
                                         <p:cTn id="32" dur="500" fill="hold"/>
                                         <p:tgtEl>
                                           <p:spTgt spid="29"/>
                                         </p:tgtEl>
                                         <p:attrNameLst>
-                                          <p:attrName>ppt_y</p:attrName>
+                                          <p:attrName>ppt_h</p:attrName>
                                         </p:attrNameLst>
                                       </p:cBhvr>
                                       <p:tavLst>
                                         <p:tav tm="0">
                                           <p:val>
-                                            <p:strVal val="1+#ppt_h/2"/>
+                                            <p:fltVal val="0"/>
                                           </p:val>
                                         </p:tav>
                                         <p:tav tm="100000">
                                           <p:val>
-                                            <p:strVal val="#ppt_y"/>
+                                            <p:strVal val="#ppt_h"/>
                                           </p:val>
                                         </p:tav>
                                       </p:tavLst>
                                     </p:anim>
+                                    <p:animEffect transition="in" filter="fade">
+                                      <p:cBhvr>
+                                        <p:cTn id="33" dur="500"/>
+                                        <p:tgtEl>
+                                          <p:spTgt spid="29"/>
+                                        </p:tgtEl>
+                                      </p:cBhvr>
+                                    </p:animEffect>
                                   </p:childTnLst>
                                 </p:cTn>
                               </p:par>
                               <p:par>
-                                <p:cTn id="33" presetID="1" presetClass="entr" presetSubtype="0" fill="hold" nodeType="withEffect">
+                                <p:cTn id="34" presetID="49" presetClass="path" presetSubtype="0" accel="50000" decel="50000" fill="hold" nodeType="withEffect">
                                   <p:stCondLst>
                                     <p:cond delay="0"/>
                                   </p:stCondLst>
                                   <p:childTnLst>
-                                    <p:set>
+                                    <p:animMotion origin="layout" path="M 0.39983 0.05213 L -1.11022E-16 0.01203 " pathEditMode="relative" rAng="0" ptsTypes="AA">
                                       <p:cBhvr>
-                                        <p:cTn id="34" dur="1" fill="hold">
-                                          <p:stCondLst>
-                                            <p:cond delay="0"/>
-                                          </p:stCondLst>
-                                        </p:cTn>
+                                        <p:cTn id="35" dur="500" fill="hold"/>
                                         <p:tgtEl>
-                                          <p:spTgt spid="39"/>
+                                          <p:spTgt spid="29"/>
                                         </p:tgtEl>
                                         <p:attrNameLst>
-                                          <p:attrName>style.visibility</p:attrName>
+                                          <p:attrName>ppt_x</p:attrName>
+                                          <p:attrName>ppt_y</p:attrName>
                                         </p:attrNameLst>
                                       </p:cBhvr>
-                                      <p:to>
-                                        <p:strVal val="visible"/>
-                                      </p:to>
-                                    </p:set>
+                                      <p:rCtr x="-20000" y="-2005"/>
+                                    </p:animMotion>
                                   </p:childTnLst>
                                 </p:cTn>
                               </p:par>
@@ -8623,94 +8627,26 @@
                     </p:cTn>
                   </p:par>
                   <p:par>
-                    <p:cTn id="35" fill="hold">
+                    <p:cTn id="36" fill="hold">
                       <p:stCondLst>
                         <p:cond delay="indefinite"/>
                       </p:stCondLst>
                       <p:childTnLst>
                         <p:par>
-                          <p:cTn id="36" fill="hold">
+                          <p:cTn id="37" fill="hold">
                             <p:stCondLst>
                               <p:cond delay="0"/>
                             </p:stCondLst>
                             <p:childTnLst>
                               <p:par>
-                                <p:cTn id="37" presetID="42" presetClass="path" presetSubtype="0" accel="50000" decel="50000" fill="hold" nodeType="clickEffect">
+                                <p:cTn id="38" presetID="22" presetClass="exit" presetSubtype="8" fill="hold" nodeType="clickEffect">
                                   <p:stCondLst>
                                     <p:cond delay="0"/>
                                   </p:stCondLst>
                                   <p:childTnLst>
-                                    <p:animMotion origin="layout" path="M -1.94444E-6 3.7037E-6 L 0.50295 -0.13303 " pathEditMode="relative" rAng="0" ptsTypes="AA">
+                                    <p:animEffect transition="out" filter="wipe(left)">
                                       <p:cBhvr>
-                                        <p:cTn id="38" dur="500" fill="hold"/>
-                                        <p:tgtEl>
-                                          <p:spTgt spid="29"/>
-                                        </p:tgtEl>
-                                        <p:attrNameLst>
-                                          <p:attrName>ppt_x</p:attrName>
-                                          <p:attrName>ppt_y</p:attrName>
-                                        </p:attrNameLst>
-                                      </p:cBhvr>
-                                      <p:rCtr x="25139" y="-6667"/>
-                                    </p:animMotion>
-                                  </p:childTnLst>
-                                </p:cTn>
-                              </p:par>
-                              <p:par>
-                                <p:cTn id="39" presetID="53" presetClass="exit" presetSubtype="32" fill="hold" nodeType="withEffect">
-                                  <p:stCondLst>
-                                    <p:cond delay="0"/>
-                                  </p:stCondLst>
-                                  <p:childTnLst>
-                                    <p:anim calcmode="lin" valueType="num">
-                                      <p:cBhvr>
-                                        <p:cTn id="40" dur="500"/>
-                                        <p:tgtEl>
-                                          <p:spTgt spid="29"/>
-                                        </p:tgtEl>
-                                        <p:attrNameLst>
-                                          <p:attrName>ppt_w</p:attrName>
-                                        </p:attrNameLst>
-                                      </p:cBhvr>
-                                      <p:tavLst>
-                                        <p:tav tm="0">
-                                          <p:val>
-                                            <p:strVal val="ppt_w"/>
-                                          </p:val>
-                                        </p:tav>
-                                        <p:tav tm="100000">
-                                          <p:val>
-                                            <p:fltVal val="0"/>
-                                          </p:val>
-                                        </p:tav>
-                                      </p:tavLst>
-                                    </p:anim>
-                                    <p:anim calcmode="lin" valueType="num">
-                                      <p:cBhvr>
-                                        <p:cTn id="41" dur="500"/>
-                                        <p:tgtEl>
-                                          <p:spTgt spid="29"/>
-                                        </p:tgtEl>
-                                        <p:attrNameLst>
-                                          <p:attrName>ppt_h</p:attrName>
-                                        </p:attrNameLst>
-                                      </p:cBhvr>
-                                      <p:tavLst>
-                                        <p:tav tm="0">
-                                          <p:val>
-                                            <p:strVal val="ppt_h"/>
-                                          </p:val>
-                                        </p:tav>
-                                        <p:tav tm="100000">
-                                          <p:val>
-                                            <p:fltVal val="0"/>
-                                          </p:val>
-                                        </p:tav>
-                                      </p:tavLst>
-                                    </p:anim>
-                                    <p:animEffect transition="out" filter="fade">
-                                      <p:cBhvr>
-                                        <p:cTn id="42" dur="500"/>
+                                        <p:cTn id="39" dur="500"/>
                                         <p:tgtEl>
                                           <p:spTgt spid="29"/>
                                         </p:tgtEl>
@@ -8718,7 +8654,7 @@
                                     </p:animEffect>
                                     <p:set>
                                       <p:cBhvr>
-                                        <p:cTn id="43" dur="1" fill="hold">
+                                        <p:cTn id="40" dur="1" fill="hold">
                                           <p:stCondLst>
                                             <p:cond delay="499"/>
                                           </p:stCondLst>
@@ -8732,42 +8668,6 @@
                                       </p:cBhvr>
                                       <p:to>
                                         <p:strVal val="hidden"/>
-                                      </p:to>
-                                    </p:set>
-                                  </p:childTnLst>
-                                </p:cTn>
-                              </p:par>
-                            </p:childTnLst>
-                          </p:cTn>
-                        </p:par>
-                        <p:par>
-                          <p:cTn id="44" fill="hold">
-                            <p:stCondLst>
-                              <p:cond delay="500"/>
-                            </p:stCondLst>
-                            <p:childTnLst>
-                              <p:par>
-                                <p:cTn id="45" presetID="1" presetClass="entr" presetSubtype="0" fill="hold" nodeType="afterEffect">
-                                  <p:stCondLst>
-                                    <p:cond delay="0"/>
-                                  </p:stCondLst>
-                                  <p:childTnLst>
-                                    <p:set>
-                                      <p:cBhvr>
-                                        <p:cTn id="46" dur="1" fill="hold">
-                                          <p:stCondLst>
-                                            <p:cond delay="0"/>
-                                          </p:stCondLst>
-                                        </p:cTn>
-                                        <p:tgtEl>
-                                          <p:spTgt spid="45"/>
-                                        </p:tgtEl>
-                                        <p:attrNameLst>
-                                          <p:attrName>style.visibility</p:attrName>
-                                        </p:attrNameLst>
-                                      </p:cBhvr>
-                                      <p:to>
-                                        <p:strVal val="visible"/>
                                       </p:to>
                                     </p:set>
                                   </p:childTnLst>
@@ -8899,7 +8799,7 @@
           <p:cNvPr id="2" name="內容版面配置區 1">
             <a:extLst>
               <a:ext uri="{FF2B5EF4-FFF2-40B4-BE49-F238E27FC236}">
-                <a16:creationId xmlns:a16="http://schemas.microsoft.com/office/drawing/2014/main" id="{6E1CF1B2-98C6-4919-A1B7-29AA406C4045}"/>
+                <a16:creationId xmlns:a16="http://schemas.microsoft.com/office/drawing/2014/main" xmlns="" id="{6E1CF1B2-98C6-4919-A1B7-29AA406C4045}"/>
               </a:ext>
             </a:extLst>
           </p:cNvPr>
@@ -8968,7 +8868,7 @@
           <p:cNvPr id="3" name="投影片編號版面配置區 2">
             <a:extLst>
               <a:ext uri="{FF2B5EF4-FFF2-40B4-BE49-F238E27FC236}">
-                <a16:creationId xmlns:a16="http://schemas.microsoft.com/office/drawing/2014/main" id="{4C922667-9436-443A-9EF6-E5EDE0F2A167}"/>
+                <a16:creationId xmlns:a16="http://schemas.microsoft.com/office/drawing/2014/main" xmlns="" id="{4C922667-9436-443A-9EF6-E5EDE0F2A167}"/>
               </a:ext>
             </a:extLst>
           </p:cNvPr>
@@ -9003,7 +8903,7 @@
           <p:cNvPr id="4" name="標題 3">
             <a:extLst>
               <a:ext uri="{FF2B5EF4-FFF2-40B4-BE49-F238E27FC236}">
-                <a16:creationId xmlns:a16="http://schemas.microsoft.com/office/drawing/2014/main" id="{402A4535-1C22-4774-BC6A-63489487B803}"/>
+                <a16:creationId xmlns:a16="http://schemas.microsoft.com/office/drawing/2014/main" xmlns="" id="{402A4535-1C22-4774-BC6A-63489487B803}"/>
               </a:ext>
             </a:extLst>
           </p:cNvPr>
@@ -9037,7 +8937,7 @@
           <p:cNvPr id="5" name="內容版面配置區 1">
             <a:extLst>
               <a:ext uri="{FF2B5EF4-FFF2-40B4-BE49-F238E27FC236}">
-                <a16:creationId xmlns:a16="http://schemas.microsoft.com/office/drawing/2014/main" id="{6E1CF1B2-98C6-4919-A1B7-29AA406C4045}"/>
+                <a16:creationId xmlns:a16="http://schemas.microsoft.com/office/drawing/2014/main" xmlns="" id="{6E1CF1B2-98C6-4919-A1B7-29AA406C4045}"/>
               </a:ext>
             </a:extLst>
           </p:cNvPr>
@@ -9651,7 +9551,7 @@
           <p:cNvPr id="4" name="標題 3">
             <a:extLst>
               <a:ext uri="{FF2B5EF4-FFF2-40B4-BE49-F238E27FC236}">
-                <a16:creationId xmlns:a16="http://schemas.microsoft.com/office/drawing/2014/main" id="{6838BF77-7606-480E-BDB8-E4E2952D54A1}"/>
+                <a16:creationId xmlns:a16="http://schemas.microsoft.com/office/drawing/2014/main" xmlns="" id="{6838BF77-7606-480E-BDB8-E4E2952D54A1}"/>
               </a:ext>
             </a:extLst>
           </p:cNvPr>
@@ -9678,7 +9578,7 @@
           <p:cNvPr id="9" name="標題 1">
             <a:extLst>
               <a:ext uri="{FF2B5EF4-FFF2-40B4-BE49-F238E27FC236}">
-                <a16:creationId xmlns:a16="http://schemas.microsoft.com/office/drawing/2014/main" id="{1A860458-E763-4C6A-89F3-2DB385D70A97}"/>
+                <a16:creationId xmlns:a16="http://schemas.microsoft.com/office/drawing/2014/main" xmlns="" id="{1A860458-E763-4C6A-89F3-2DB385D70A97}"/>
               </a:ext>
             </a:extLst>
           </p:cNvPr>
@@ -9887,6 +9787,13 @@
       </p:transition>
     </mc:Fallback>
   </mc:AlternateContent>
+  <p:timing>
+    <p:tnLst>
+      <p:par>
+        <p:cTn id="1" dur="indefinite" restart="never" nodeType="tmRoot"/>
+      </p:par>
+    </p:tnLst>
+  </p:timing>
 </p:sld>
 </file>
 
@@ -10472,9 +10379,12 @@
 </file>
 
 <file path=customXml/item1.xml><?xml version="1.0" encoding="utf-8"?>
-<p:properties xmlns:p="http://schemas.microsoft.com/office/2006/metadata/properties" xmlns:xsi="http://www.w3.org/2001/XMLSchema-instance" xmlns:pc="http://schemas.microsoft.com/office/infopath/2007/PartnerControls">
-  <documentManagement/>
-</p:properties>
+<?mso-contentType ?>
+<FormTemplates xmlns="http://schemas.microsoft.com/sharepoint/v3/contenttype/forms">
+  <Display>DocumentLibraryForm</Display>
+  <Edit>DocumentLibraryForm</Edit>
+  <New>DocumentLibraryForm</New>
+</FormTemplates>
 </file>
 
 <file path=customXml/item2.xml><?xml version="1.0" encoding="utf-8"?>
@@ -10642,26 +10552,15 @@
 </file>
 
 <file path=customXml/item3.xml><?xml version="1.0" encoding="utf-8"?>
-<?mso-contentType ?>
-<FormTemplates xmlns="http://schemas.microsoft.com/sharepoint/v3/contenttype/forms">
-  <Display>DocumentLibraryForm</Display>
-  <Edit>DocumentLibraryForm</Edit>
-  <New>DocumentLibraryForm</New>
-</FormTemplates>
+<p:properties xmlns:p="http://schemas.microsoft.com/office/2006/metadata/properties" xmlns:xsi="http://www.w3.org/2001/XMLSchema-instance" xmlns:pc="http://schemas.microsoft.com/office/infopath/2007/PartnerControls">
+  <documentManagement/>
+</p:properties>
 </file>
 
 <file path=customXml/itemProps1.xml><?xml version="1.0" encoding="utf-8"?>
-<ds:datastoreItem xmlns:ds="http://schemas.openxmlformats.org/officeDocument/2006/customXml" ds:itemID="{A2125FF2-05FC-4F63-9B8E-977EBBE6E235}">
+<ds:datastoreItem xmlns:ds="http://schemas.openxmlformats.org/officeDocument/2006/customXml" ds:itemID="{30ECBFBF-3229-4DDF-9F93-D6B128EDF22A}">
   <ds:schemaRefs>
-    <ds:schemaRef ds:uri="http://schemas.microsoft.com/office/2006/documentManagement/types"/>
-    <ds:schemaRef ds:uri="http://purl.org/dc/dcmitype/"/>
-    <ds:schemaRef ds:uri="http://schemas.microsoft.com/office/infopath/2007/PartnerControls"/>
-    <ds:schemaRef ds:uri="http://purl.org/dc/elements/1.1/"/>
-    <ds:schemaRef ds:uri="http://schemas.microsoft.com/office/2006/metadata/properties"/>
-    <ds:schemaRef ds:uri="a2073bfe-2e71-440a-b9b5-e26d78320546"/>
-    <ds:schemaRef ds:uri="http://purl.org/dc/terms/"/>
-    <ds:schemaRef ds:uri="http://schemas.openxmlformats.org/package/2006/metadata/core-properties"/>
-    <ds:schemaRef ds:uri="http://www.w3.org/XML/1998/namespace"/>
+    <ds:schemaRef ds:uri="http://schemas.microsoft.com/sharepoint/v3/contenttype/forms"/>
   </ds:schemaRefs>
 </ds:datastoreItem>
 </file>
@@ -10685,9 +10584,17 @@
 </file>
 
 <file path=customXml/itemProps3.xml><?xml version="1.0" encoding="utf-8"?>
-<ds:datastoreItem xmlns:ds="http://schemas.openxmlformats.org/officeDocument/2006/customXml" ds:itemID="{30ECBFBF-3229-4DDF-9F93-D6B128EDF22A}">
+<ds:datastoreItem xmlns:ds="http://schemas.openxmlformats.org/officeDocument/2006/customXml" ds:itemID="{A2125FF2-05FC-4F63-9B8E-977EBBE6E235}">
   <ds:schemaRefs>
-    <ds:schemaRef ds:uri="http://schemas.microsoft.com/sharepoint/v3/contenttype/forms"/>
+    <ds:schemaRef ds:uri="http://schemas.microsoft.com/office/2006/documentManagement/types"/>
+    <ds:schemaRef ds:uri="http://purl.org/dc/dcmitype/"/>
+    <ds:schemaRef ds:uri="http://schemas.microsoft.com/office/infopath/2007/PartnerControls"/>
+    <ds:schemaRef ds:uri="http://purl.org/dc/elements/1.1/"/>
+    <ds:schemaRef ds:uri="http://schemas.microsoft.com/office/2006/metadata/properties"/>
+    <ds:schemaRef ds:uri="a2073bfe-2e71-440a-b9b5-e26d78320546"/>
+    <ds:schemaRef ds:uri="http://purl.org/dc/terms/"/>
+    <ds:schemaRef ds:uri="http://schemas.openxmlformats.org/package/2006/metadata/core-properties"/>
+    <ds:schemaRef ds:uri="http://www.w3.org/XML/1998/namespace"/>
   </ds:schemaRefs>
 </ds:datastoreItem>
 </file>